--- a/FitZco.pptx
+++ b/FitZco.pptx
@@ -217,7 +217,7 @@
             <a:fld id="{3739F75B-3842-4986-B379-A25F65D2E2D9}" type="datetimeFigureOut">
               <a:rPr lang="en-US" smtClean="0"/>
               <a:pPr/>
-              <a:t>11/4/2016</a:t>
+              <a:t>11/5/2016</a:t>
             </a:fld>
             <a:endParaRPr lang="en-US"/>
           </a:p>
@@ -363,7 +363,7 @@
             <a:fld id="{866387FC-CCBE-45D6-8023-B2729909DF51}" type="datetimeFigureOut">
               <a:rPr lang="en-US" smtClean="0"/>
               <a:pPr/>
-              <a:t>11/4/2016</a:t>
+              <a:t>11/5/2016</a:t>
             </a:fld>
             <a:endParaRPr lang="en-US"/>
           </a:p>
@@ -997,7 +997,7 @@
             <a:fld id="{633EFA78-DE0E-433D-8CFA-D9FBF0D95DCD}" type="datetime1">
               <a:rPr lang="en-US" smtClean="0"/>
               <a:pPr/>
-              <a:t>11/4/2016</a:t>
+              <a:t>11/5/2016</a:t>
             </a:fld>
             <a:endParaRPr lang="en-US"/>
           </a:p>
@@ -1174,7 +1174,7 @@
             <a:fld id="{4427F9C6-20A9-45D8-B666-D95AD1AA535F}" type="datetime1">
               <a:rPr lang="en-US" smtClean="0"/>
               <a:pPr/>
-              <a:t>11/4/2016</a:t>
+              <a:t>11/5/2016</a:t>
             </a:fld>
             <a:endParaRPr lang="en-US"/>
           </a:p>
@@ -1289,7 +1289,7 @@
             <a:fld id="{5AFB2161-9FCA-498A-A51E-7B90071250E8}" type="datetime1">
               <a:rPr lang="en-US" smtClean="0"/>
               <a:pPr/>
-              <a:t>11/4/2016</a:t>
+              <a:t>11/5/2016</a:t>
             </a:fld>
             <a:endParaRPr lang="en-US"/>
           </a:p>
@@ -1541,7 +1541,7 @@
             <a:fld id="{9F5395AF-258B-4502-92DF-E211AA281B41}" type="datetime1">
               <a:rPr lang="en-US" smtClean="0"/>
               <a:pPr/>
-              <a:t>11/4/2016</a:t>
+              <a:t>11/5/2016</a:t>
             </a:fld>
             <a:endParaRPr lang="en-US"/>
           </a:p>
@@ -1770,7 +1770,7 @@
             <a:fld id="{A1099F1B-DCEB-4336-9EB0-63F5002A04E3}" type="datetimeFigureOut">
               <a:rPr lang="en-US" smtClean="0"/>
               <a:pPr/>
-              <a:t>11/4/2016</a:t>
+              <a:t>11/5/2016</a:t>
             </a:fld>
             <a:endParaRPr lang="en-US"/>
           </a:p>
@@ -1937,7 +1937,7 @@
             <a:fld id="{A1099F1B-DCEB-4336-9EB0-63F5002A04E3}" type="datetimeFigureOut">
               <a:rPr lang="en-US" smtClean="0"/>
               <a:pPr/>
-              <a:t>11/4/2016</a:t>
+              <a:t>11/5/2016</a:t>
             </a:fld>
             <a:endParaRPr lang="en-US"/>
           </a:p>
@@ -2166,7 +2166,7 @@
             <a:fld id="{A1099F1B-DCEB-4336-9EB0-63F5002A04E3}" type="datetimeFigureOut">
               <a:rPr lang="en-US" smtClean="0"/>
               <a:pPr/>
-              <a:t>11/4/2016</a:t>
+              <a:t>11/5/2016</a:t>
             </a:fld>
             <a:endParaRPr lang="en-US"/>
           </a:p>
@@ -2607,7 +2607,7 @@
             <a:fld id="{1BC102A9-C1B1-4354-89E4-F43472216A4F}" type="datetime1">
               <a:rPr lang="en-US" smtClean="0"/>
               <a:pPr algn="r"/>
-              <a:t>11/4/2016</a:t>
+              <a:t>11/5/2016</a:t>
             </a:fld>
             <a:endParaRPr lang="en-US" sz="1000" dirty="0">
               <a:solidFill>
@@ -3430,14 +3430,11 @@
               </a:rPr>
               <a:t>most unhealthy</a:t>
             </a:r>
-            <a:r>
-              <a:rPr lang="en-US" sz="2800" dirty="0">
-                <a:solidFill>
-                  <a:schemeClr val="bg1"/>
-                </a:solidFill>
-              </a:rPr>
-              <a:t>.</a:t>
-            </a:r>
+            <a:endParaRPr lang="en-US" sz="2800" dirty="0">
+              <a:solidFill>
+                <a:schemeClr val="bg1"/>
+              </a:solidFill>
+            </a:endParaRPr>
           </a:p>
           <a:p>
             <a:pPr lvl="0">
@@ -4150,7 +4147,7 @@
         <p:spPr>
           <a:xfrm>
             <a:off x="4191000" y="257997"/>
-            <a:ext cx="4343400" cy="6463308"/>
+            <a:ext cx="4343400" cy="7294305"/>
           </a:xfrm>
           <a:prstGeom prst="rect">
             <a:avLst/>
@@ -4345,6 +4342,40 @@
               </a:rPr>
               <a:t>Embodies a sense of physical activity and health through carefully crafted design</a:t>
             </a:r>
+          </a:p>
+          <a:p>
+            <a:endParaRPr lang="en-US" dirty="0">
+              <a:solidFill>
+                <a:schemeClr val="bg1"/>
+              </a:solidFill>
+            </a:endParaRPr>
+          </a:p>
+          <a:p>
+            <a:pPr marL="285750" indent="-285750">
+              <a:buFont typeface="Wingdings" panose="05000000000000000000" pitchFamily="2" charset="2"/>
+              <a:buChar char="§"/>
+            </a:pPr>
+            <a:r>
+              <a:rPr lang="en-US" dirty="0">
+                <a:solidFill>
+                  <a:schemeClr val="bg1"/>
+                </a:solidFill>
+              </a:rPr>
+              <a:t>Also is </a:t>
+            </a:r>
+            <a:r>
+              <a:rPr lang="en-US">
+                <a:solidFill>
+                  <a:schemeClr val="bg1"/>
+                </a:solidFill>
+              </a:rPr>
+              <a:t>in Spanish</a:t>
+            </a:r>
+            <a:endParaRPr lang="en-US" dirty="0">
+              <a:solidFill>
+                <a:schemeClr val="bg1"/>
+              </a:solidFill>
+            </a:endParaRPr>
           </a:p>
           <a:p>
             <a:pPr marL="285750" indent="-285750">
@@ -4410,8 +4441,8 @@
         </p:nvSpPr>
         <p:spPr>
           <a:xfrm>
-            <a:off x="228600" y="381000"/>
-            <a:ext cx="8686800" cy="6063198"/>
+            <a:off x="483704" y="533400"/>
+            <a:ext cx="8686800" cy="5570756"/>
           </a:xfrm>
           <a:prstGeom prst="rect">
             <a:avLst/>
@@ -4444,14 +4475,6 @@
           </a:p>
           <a:p>
             <a:pPr lvl="0"/>
-            <a:endParaRPr lang="en-US" sz="3200" dirty="0">
-              <a:solidFill>
-                <a:schemeClr val="bg1"/>
-              </a:solidFill>
-            </a:endParaRPr>
-          </a:p>
-          <a:p>
-            <a:pPr lvl="0"/>
             <a:r>
               <a:rPr lang="en-US" sz="3200" dirty="0" err="1">
                 <a:solidFill>
@@ -4466,7 +4489,7 @@
                   <a:schemeClr val="bg1"/>
                 </a:solidFill>
               </a:rPr>
-              <a:t> is a product that targets individuals, men and women(25-45),young working class families, and groups that are highly active in the Bronx but would prefer incentivized physical activity by funding charitable causes in the Bronx. They have gym memberships that them feel good about themselves and their contribution.</a:t>
+              <a:t> is a product that targets individuals, men and women(25-45),young working class families, and groups that are highly active in the Bronx but would prefer incentivized physical activity by funding charitable causes in the Bronx. They have gym memberships  and what to impact healthy outcomes in the community.</a:t>
             </a:r>
           </a:p>
         </p:txBody>
